--- a/PPTs/751.pptx
+++ b/PPTs/751.pptx
@@ -24149,7 +24149,7 @@
           <a:p>
             <a:fld id="{CCB236BB-53DE-4462-8C4F-7698E6995948}" type="datetimeFigureOut">
               <a:rPr lang="en-IN" smtClean="0"/>
-              <a:t>07-02-2021</a:t>
+              <a:t>21-03-2021</a:t>
             </a:fld>
             <a:endParaRPr lang="en-IN" dirty="0"/>
           </a:p>
@@ -24349,7 +24349,7 @@
           <a:p>
             <a:fld id="{CCB236BB-53DE-4462-8C4F-7698E6995948}" type="datetimeFigureOut">
               <a:rPr lang="en-IN" smtClean="0"/>
-              <a:t>07-02-2021</a:t>
+              <a:t>21-03-2021</a:t>
             </a:fld>
             <a:endParaRPr lang="en-IN" dirty="0"/>
           </a:p>
@@ -24559,7 +24559,7 @@
           <a:p>
             <a:fld id="{CCB236BB-53DE-4462-8C4F-7698E6995948}" type="datetimeFigureOut">
               <a:rPr lang="en-IN" smtClean="0"/>
-              <a:t>07-02-2021</a:t>
+              <a:t>21-03-2021</a:t>
             </a:fld>
             <a:endParaRPr lang="en-IN" dirty="0"/>
           </a:p>
@@ -24759,7 +24759,7 @@
           <a:p>
             <a:fld id="{CCB236BB-53DE-4462-8C4F-7698E6995948}" type="datetimeFigureOut">
               <a:rPr lang="en-IN" smtClean="0"/>
-              <a:t>07-02-2021</a:t>
+              <a:t>21-03-2021</a:t>
             </a:fld>
             <a:endParaRPr lang="en-IN" dirty="0"/>
           </a:p>
@@ -25035,7 +25035,7 @@
           <a:p>
             <a:fld id="{CCB236BB-53DE-4462-8C4F-7698E6995948}" type="datetimeFigureOut">
               <a:rPr lang="en-IN" smtClean="0"/>
-              <a:t>07-02-2021</a:t>
+              <a:t>21-03-2021</a:t>
             </a:fld>
             <a:endParaRPr lang="en-IN" dirty="0"/>
           </a:p>
@@ -25303,7 +25303,7 @@
           <a:p>
             <a:fld id="{CCB236BB-53DE-4462-8C4F-7698E6995948}" type="datetimeFigureOut">
               <a:rPr lang="en-IN" smtClean="0"/>
-              <a:t>07-02-2021</a:t>
+              <a:t>21-03-2021</a:t>
             </a:fld>
             <a:endParaRPr lang="en-IN" dirty="0"/>
           </a:p>
@@ -25718,7 +25718,7 @@
           <a:p>
             <a:fld id="{CCB236BB-53DE-4462-8C4F-7698E6995948}" type="datetimeFigureOut">
               <a:rPr lang="en-IN" smtClean="0"/>
-              <a:t>07-02-2021</a:t>
+              <a:t>21-03-2021</a:t>
             </a:fld>
             <a:endParaRPr lang="en-IN" dirty="0"/>
           </a:p>
@@ -25860,7 +25860,7 @@
           <a:p>
             <a:fld id="{CCB236BB-53DE-4462-8C4F-7698E6995948}" type="datetimeFigureOut">
               <a:rPr lang="en-IN" smtClean="0"/>
-              <a:t>07-02-2021</a:t>
+              <a:t>21-03-2021</a:t>
             </a:fld>
             <a:endParaRPr lang="en-IN" dirty="0"/>
           </a:p>
@@ -25973,7 +25973,7 @@
           <a:p>
             <a:fld id="{CCB236BB-53DE-4462-8C4F-7698E6995948}" type="datetimeFigureOut">
               <a:rPr lang="en-IN" smtClean="0"/>
-              <a:t>07-02-2021</a:t>
+              <a:t>21-03-2021</a:t>
             </a:fld>
             <a:endParaRPr lang="en-IN" dirty="0"/>
           </a:p>
@@ -26286,7 +26286,7 @@
           <a:p>
             <a:fld id="{CCB236BB-53DE-4462-8C4F-7698E6995948}" type="datetimeFigureOut">
               <a:rPr lang="en-IN" smtClean="0"/>
-              <a:t>07-02-2021</a:t>
+              <a:t>21-03-2021</a:t>
             </a:fld>
             <a:endParaRPr lang="en-IN" dirty="0"/>
           </a:p>
@@ -26575,7 +26575,7 @@
           <a:p>
             <a:fld id="{CCB236BB-53DE-4462-8C4F-7698E6995948}" type="datetimeFigureOut">
               <a:rPr lang="en-IN" smtClean="0"/>
-              <a:t>07-02-2021</a:t>
+              <a:t>21-03-2021</a:t>
             </a:fld>
             <a:endParaRPr lang="en-IN" dirty="0"/>
           </a:p>
@@ -26821,7 +26821,7 @@
           <a:p>
             <a:fld id="{CCB236BB-53DE-4462-8C4F-7698E6995948}" type="datetimeFigureOut">
               <a:rPr lang="en-IN" smtClean="0"/>
-              <a:t>07-02-2021</a:t>
+              <a:t>21-03-2021</a:t>
             </a:fld>
             <a:endParaRPr lang="en-IN" dirty="0"/>
           </a:p>
@@ -27305,7 +27305,7 @@
         </p:nvSpPr>
         <p:spPr>
           <a:xfrm>
-            <a:off x="0" y="5376751"/>
+            <a:off x="0" y="5385140"/>
             <a:ext cx="12192000" cy="1446550"/>
           </a:xfrm>
           <a:prstGeom prst="rect">
@@ -28136,7 +28136,7 @@
         </p:nvSpPr>
         <p:spPr>
           <a:xfrm>
-            <a:off x="0" y="5376753"/>
+            <a:off x="0" y="5385142"/>
             <a:ext cx="12192000" cy="1446550"/>
           </a:xfrm>
           <a:prstGeom prst="rect">
